--- a/5/Presentation2.pptx
+++ b/5/Presentation2.pptx
@@ -211,7 +211,7 @@
           <a:p>
             <a:fld id="{0AC38632-6E36-4A45-8803-69474195DAB4}" type="datetimeFigureOut">
               <a:rPr lang="en-GB" smtClean="0"/>
-              <a:t>10/10/2021</a:t>
+              <a:t>12/10/2021</a:t>
             </a:fld>
             <a:endParaRPr lang="en-GB"/>
           </a:p>
@@ -692,7 +692,7 @@
           <a:p>
             <a:fld id="{C764DE79-268F-4C1A-8933-263129D2AF90}" type="datetimeFigureOut">
               <a:rPr lang="en-US" dirty="0"/>
-              <a:t>10/10/2021</a:t>
+              <a:t>10/12/2021</a:t>
             </a:fld>
             <a:endParaRPr lang="en-US" dirty="0"/>
           </a:p>
@@ -860,7 +860,7 @@
           <a:p>
             <a:fld id="{C764DE79-268F-4C1A-8933-263129D2AF90}" type="datetimeFigureOut">
               <a:rPr lang="en-US" dirty="0"/>
-              <a:t>10/10/2021</a:t>
+              <a:t>10/12/2021</a:t>
             </a:fld>
             <a:endParaRPr lang="en-US" dirty="0"/>
           </a:p>
@@ -1038,7 +1038,7 @@
           <a:p>
             <a:fld id="{C764DE79-268F-4C1A-8933-263129D2AF90}" type="datetimeFigureOut">
               <a:rPr lang="en-US" dirty="0"/>
-              <a:t>10/10/2021</a:t>
+              <a:t>10/12/2021</a:t>
             </a:fld>
             <a:endParaRPr lang="en-US" dirty="0"/>
           </a:p>
@@ -1206,7 +1206,7 @@
           <a:p>
             <a:fld id="{C764DE79-268F-4C1A-8933-263129D2AF90}" type="datetimeFigureOut">
               <a:rPr lang="en-US" dirty="0"/>
-              <a:t>10/10/2021</a:t>
+              <a:t>10/12/2021</a:t>
             </a:fld>
             <a:endParaRPr lang="en-US" dirty="0"/>
           </a:p>
@@ -1451,7 +1451,7 @@
           <a:p>
             <a:fld id="{C764DE79-268F-4C1A-8933-263129D2AF90}" type="datetimeFigureOut">
               <a:rPr lang="en-US" dirty="0"/>
-              <a:t>10/10/2021</a:t>
+              <a:t>10/12/2021</a:t>
             </a:fld>
             <a:endParaRPr lang="en-US" dirty="0"/>
           </a:p>
@@ -1680,7 +1680,7 @@
           <a:p>
             <a:fld id="{C764DE79-268F-4C1A-8933-263129D2AF90}" type="datetimeFigureOut">
               <a:rPr lang="en-US" dirty="0"/>
-              <a:t>10/10/2021</a:t>
+              <a:t>10/12/2021</a:t>
             </a:fld>
             <a:endParaRPr lang="en-US" dirty="0"/>
           </a:p>
@@ -2044,7 +2044,7 @@
           <a:p>
             <a:fld id="{C764DE79-268F-4C1A-8933-263129D2AF90}" type="datetimeFigureOut">
               <a:rPr lang="en-US" dirty="0"/>
-              <a:t>10/10/2021</a:t>
+              <a:t>10/12/2021</a:t>
             </a:fld>
             <a:endParaRPr lang="en-US" dirty="0"/>
           </a:p>
@@ -2161,7 +2161,7 @@
           <a:p>
             <a:fld id="{C764DE79-268F-4C1A-8933-263129D2AF90}" type="datetimeFigureOut">
               <a:rPr lang="en-US" dirty="0"/>
-              <a:t>10/10/2021</a:t>
+              <a:t>10/12/2021</a:t>
             </a:fld>
             <a:endParaRPr lang="en-US" dirty="0"/>
           </a:p>
@@ -2256,7 +2256,7 @@
           <a:p>
             <a:fld id="{C764DE79-268F-4C1A-8933-263129D2AF90}" type="datetimeFigureOut">
               <a:rPr lang="en-US" dirty="0"/>
-              <a:t>10/10/2021</a:t>
+              <a:t>10/12/2021</a:t>
             </a:fld>
             <a:endParaRPr lang="en-US" dirty="0"/>
           </a:p>
@@ -2531,7 +2531,7 @@
           <a:p>
             <a:fld id="{C764DE79-268F-4C1A-8933-263129D2AF90}" type="datetimeFigureOut">
               <a:rPr lang="en-US" dirty="0"/>
-              <a:t>10/10/2021</a:t>
+              <a:t>10/12/2021</a:t>
             </a:fld>
             <a:endParaRPr lang="en-US" dirty="0"/>
           </a:p>
@@ -2786,7 +2786,7 @@
           <a:p>
             <a:fld id="{C764DE79-268F-4C1A-8933-263129D2AF90}" type="datetimeFigureOut">
               <a:rPr lang="en-US" dirty="0"/>
-              <a:t>10/10/2021</a:t>
+              <a:t>10/12/2021</a:t>
             </a:fld>
             <a:endParaRPr lang="en-US" dirty="0"/>
           </a:p>
@@ -2997,7 +2997,7 @@
           <a:p>
             <a:fld id="{C764DE79-268F-4C1A-8933-263129D2AF90}" type="datetimeFigureOut">
               <a:rPr lang="en-US" dirty="0"/>
-              <a:t>10/10/2021</a:t>
+              <a:t>10/12/2021</a:t>
             </a:fld>
             <a:endParaRPr lang="en-US" dirty="0"/>
           </a:p>
@@ -3487,13 +3487,18 @@
           </a:p>
           <a:p>
             <a:r>
-              <a:rPr lang="en-US" sz="4000" dirty="0">
+              <a:rPr lang="en-US" sz="4000">
                 <a:solidFill>
                   <a:schemeClr val="bg1"/>
                 </a:solidFill>
               </a:rPr>
-              <a:t>G2M Case Study Virtual Internship </a:t>
-            </a:r>
+              <a:t>Healthcare project</a:t>
+            </a:r>
+            <a:endParaRPr lang="en-US" sz="4000" dirty="0">
+              <a:solidFill>
+                <a:schemeClr val="bg1"/>
+              </a:solidFill>
+            </a:endParaRPr>
           </a:p>
           <a:p>
             <a:endParaRPr lang="en-US" sz="2800" b="1" dirty="0"/>
